--- a/Team Debt Presentation.pptx
+++ b/Team Debt Presentation.pptx
@@ -12,7 +12,8 @@
     <p:sldId id="261" r:id="rId6"/>
     <p:sldId id="263" r:id="rId7"/>
     <p:sldId id="262" r:id="rId8"/>
-    <p:sldId id="258" r:id="rId9"/>
+    <p:sldId id="264" r:id="rId9"/>
+    <p:sldId id="258" r:id="rId10"/>
   </p:sldIdLst>
   <p:sldSz cx="12192000" cy="6858000"/>
   <p:notesSz cx="6858000" cy="9144000"/>
@@ -111,6 +112,11 @@
       </a:defRPr>
     </a:lvl9pPr>
   </p:defaultTextStyle>
+  <p:extLst>
+    <p:ext uri="{EFAFB233-063F-42B5-8137-9DF3F51BA10A}">
+      <p15:sldGuideLst xmlns:p15="http://schemas.microsoft.com/office/powerpoint/2012/main"/>
+    </p:ext>
+  </p:extLst>
 </p:presentation>
 </file>
 
@@ -836,7 +842,7 @@
           <a:p>
             <a:fld id="{0A6A81BB-E462-DB4A-8815-4DAE0B3789AD}" type="datetimeFigureOut">
               <a:rPr lang="en-US" smtClean="0"/>
-              <a:t>10/27/18</a:t>
+              <a:t>10/28/18</a:t>
             </a:fld>
             <a:endParaRPr lang="en-US"/>
           </a:p>
@@ -1087,7 +1093,7 @@
           <a:p>
             <a:fld id="{0A6A81BB-E462-DB4A-8815-4DAE0B3789AD}" type="datetimeFigureOut">
               <a:rPr lang="en-US" smtClean="0"/>
-              <a:t>10/27/18</a:t>
+              <a:t>10/28/18</a:t>
             </a:fld>
             <a:endParaRPr lang="en-US"/>
           </a:p>
@@ -1401,7 +1407,7 @@
           <a:p>
             <a:fld id="{0A6A81BB-E462-DB4A-8815-4DAE0B3789AD}" type="datetimeFigureOut">
               <a:rPr lang="en-US" smtClean="0"/>
-              <a:t>10/27/18</a:t>
+              <a:t>10/28/18</a:t>
             </a:fld>
             <a:endParaRPr lang="en-US"/>
           </a:p>
@@ -1742,7 +1748,7 @@
           <a:p>
             <a:fld id="{0A6A81BB-E462-DB4A-8815-4DAE0B3789AD}" type="datetimeFigureOut">
               <a:rPr lang="en-US" smtClean="0"/>
-              <a:t>10/27/18</a:t>
+              <a:t>10/28/18</a:t>
             </a:fld>
             <a:endParaRPr lang="en-US"/>
           </a:p>
@@ -2056,7 +2062,7 @@
           <a:p>
             <a:fld id="{0A6A81BB-E462-DB4A-8815-4DAE0B3789AD}" type="datetimeFigureOut">
               <a:rPr lang="en-US" smtClean="0"/>
-              <a:t>10/27/18</a:t>
+              <a:t>10/28/18</a:t>
             </a:fld>
             <a:endParaRPr lang="en-US"/>
           </a:p>
@@ -2449,7 +2455,7 @@
           <a:p>
             <a:fld id="{0A6A81BB-E462-DB4A-8815-4DAE0B3789AD}" type="datetimeFigureOut">
               <a:rPr lang="en-US" smtClean="0"/>
-              <a:t>10/27/18</a:t>
+              <a:t>10/28/18</a:t>
             </a:fld>
             <a:endParaRPr lang="en-US"/>
           </a:p>
@@ -2619,7 +2625,7 @@
           <a:p>
             <a:fld id="{0A6A81BB-E462-DB4A-8815-4DAE0B3789AD}" type="datetimeFigureOut">
               <a:rPr lang="en-US" smtClean="0"/>
-              <a:t>10/27/18</a:t>
+              <a:t>10/28/18</a:t>
             </a:fld>
             <a:endParaRPr lang="en-US"/>
           </a:p>
@@ -2799,7 +2805,7 @@
           <a:p>
             <a:fld id="{0A6A81BB-E462-DB4A-8815-4DAE0B3789AD}" type="datetimeFigureOut">
               <a:rPr lang="en-US" smtClean="0"/>
-              <a:t>10/27/18</a:t>
+              <a:t>10/28/18</a:t>
             </a:fld>
             <a:endParaRPr lang="en-US"/>
           </a:p>
@@ -2975,7 +2981,7 @@
           <a:p>
             <a:fld id="{0A6A81BB-E462-DB4A-8815-4DAE0B3789AD}" type="datetimeFigureOut">
               <a:rPr lang="en-US" smtClean="0"/>
-              <a:t>10/27/18</a:t>
+              <a:t>10/28/18</a:t>
             </a:fld>
             <a:endParaRPr lang="en-US"/>
           </a:p>
@@ -3222,7 +3228,7 @@
           <a:p>
             <a:fld id="{0A6A81BB-E462-DB4A-8815-4DAE0B3789AD}" type="datetimeFigureOut">
               <a:rPr lang="en-US" smtClean="0"/>
-              <a:t>10/27/18</a:t>
+              <a:t>10/28/18</a:t>
             </a:fld>
             <a:endParaRPr lang="en-US"/>
           </a:p>
@@ -3454,7 +3460,7 @@
           <a:p>
             <a:fld id="{0A6A81BB-E462-DB4A-8815-4DAE0B3789AD}" type="datetimeFigureOut">
               <a:rPr lang="en-US" smtClean="0"/>
-              <a:t>10/27/18</a:t>
+              <a:t>10/28/18</a:t>
             </a:fld>
             <a:endParaRPr lang="en-US"/>
           </a:p>
@@ -3828,7 +3834,7 @@
           <a:p>
             <a:fld id="{0A6A81BB-E462-DB4A-8815-4DAE0B3789AD}" type="datetimeFigureOut">
               <a:rPr lang="en-US" smtClean="0"/>
-              <a:t>10/27/18</a:t>
+              <a:t>10/28/18</a:t>
             </a:fld>
             <a:endParaRPr lang="en-US"/>
           </a:p>
@@ -3951,7 +3957,7 @@
           <a:p>
             <a:fld id="{0A6A81BB-E462-DB4A-8815-4DAE0B3789AD}" type="datetimeFigureOut">
               <a:rPr lang="en-US" smtClean="0"/>
-              <a:t>10/27/18</a:t>
+              <a:t>10/28/18</a:t>
             </a:fld>
             <a:endParaRPr lang="en-US"/>
           </a:p>
@@ -4046,7 +4052,7 @@
           <a:p>
             <a:fld id="{0A6A81BB-E462-DB4A-8815-4DAE0B3789AD}" type="datetimeFigureOut">
               <a:rPr lang="en-US" smtClean="0"/>
-              <a:t>10/27/18</a:t>
+              <a:t>10/28/18</a:t>
             </a:fld>
             <a:endParaRPr lang="en-US"/>
           </a:p>
@@ -4301,7 +4307,7 @@
           <a:p>
             <a:fld id="{0A6A81BB-E462-DB4A-8815-4DAE0B3789AD}" type="datetimeFigureOut">
               <a:rPr lang="en-US" smtClean="0"/>
-              <a:t>10/27/18</a:t>
+              <a:t>10/28/18</a:t>
             </a:fld>
             <a:endParaRPr lang="en-US"/>
           </a:p>
@@ -4564,7 +4570,7 @@
           <a:p>
             <a:fld id="{0A6A81BB-E462-DB4A-8815-4DAE0B3789AD}" type="datetimeFigureOut">
               <a:rPr lang="en-US" smtClean="0"/>
-              <a:t>10/27/18</a:t>
+              <a:t>10/28/18</a:t>
             </a:fld>
             <a:endParaRPr lang="en-US"/>
           </a:p>
@@ -5307,7 +5313,7 @@
           <a:p>
             <a:fld id="{0A6A81BB-E462-DB4A-8815-4DAE0B3789AD}" type="datetimeFigureOut">
               <a:rPr lang="en-US" smtClean="0"/>
-              <a:t>10/27/18</a:t>
+              <a:t>10/28/18</a:t>
             </a:fld>
             <a:endParaRPr lang="en-US"/>
           </a:p>
@@ -11876,6 +11882,367 @@
           <a:chExt cx="0" cy="0"/>
         </a:xfrm>
       </p:grpSpPr>
+      <p:sp useBgFill="1">
+        <p:nvSpPr>
+          <p:cNvPr id="40" name="Rectangle 39">
+            <a:extLst>
+              <a:ext uri="{FF2B5EF4-FFF2-40B4-BE49-F238E27FC236}">
+                <a16:creationId xmlns:a16="http://schemas.microsoft.com/office/drawing/2014/main" id="{9F4444CE-BC8D-4D61-B303-4C05614E62AB}"/>
+              </a:ext>
+              <a:ext uri="{C183D7F6-B498-43B3-948B-1728B52AA6E4}">
+                <adec:decorative xmlns:adec="http://schemas.microsoft.com/office/drawing/2017/decorative" val="1"/>
+              </a:ext>
+            </a:extLst>
+          </p:cNvPr>
+          <p:cNvSpPr>
+            <a:spLocks noGrp="1" noRot="1" noChangeAspect="1" noMove="1" noResize="1" noEditPoints="1" noAdjustHandles="1" noChangeArrowheads="1" noChangeShapeType="1" noTextEdit="1"/>
+          </p:cNvSpPr>
+          <p:nvPr>
+            <p:extLst>
+              <p:ext uri="{386F3935-93C4-4BCD-93E2-E3B085C9AB24}">
+                <p16:designElem xmlns:p16="http://schemas.microsoft.com/office/powerpoint/2015/main" val="1"/>
+              </p:ext>
+            </p:extLst>
+          </p:nvPr>
+        </p:nvSpPr>
+        <p:spPr>
+          <a:xfrm>
+            <a:off x="0" y="0"/>
+            <a:ext cx="12192000" cy="6858000"/>
+          </a:xfrm>
+          <a:prstGeom prst="rect">
+            <a:avLst/>
+          </a:prstGeom>
+          <a:ln>
+            <a:noFill/>
+          </a:ln>
+        </p:spPr>
+        <p:style>
+          <a:lnRef idx="2">
+            <a:schemeClr val="accent1">
+              <a:shade val="50000"/>
+            </a:schemeClr>
+          </a:lnRef>
+          <a:fillRef idx="1">
+            <a:schemeClr val="accent1"/>
+          </a:fillRef>
+          <a:effectRef idx="0">
+            <a:schemeClr val="accent1"/>
+          </a:effectRef>
+          <a:fontRef idx="minor">
+            <a:schemeClr val="lt1"/>
+          </a:fontRef>
+        </p:style>
+        <p:txBody>
+          <a:bodyPr rtlCol="0" anchor="ctr"/>
+          <a:lstStyle/>
+          <a:p>
+            <a:pPr algn="ctr"/>
+            <a:endParaRPr lang="en-US"/>
+          </a:p>
+        </p:txBody>
+      </p:sp>
+      <p:sp>
+        <p:nvSpPr>
+          <p:cNvPr id="42" name="Rectangle 41">
+            <a:extLst>
+              <a:ext uri="{FF2B5EF4-FFF2-40B4-BE49-F238E27FC236}">
+                <a16:creationId xmlns:a16="http://schemas.microsoft.com/office/drawing/2014/main" id="{62423CA5-E2E1-4789-B759-9906C1C94063}"/>
+              </a:ext>
+              <a:ext uri="{C183D7F6-B498-43B3-948B-1728B52AA6E4}">
+                <adec:decorative xmlns:adec="http://schemas.microsoft.com/office/drawing/2017/decorative" val="1"/>
+              </a:ext>
+            </a:extLst>
+          </p:cNvPr>
+          <p:cNvSpPr>
+            <a:spLocks noGrp="1" noRot="1" noChangeAspect="1" noMove="1" noResize="1" noEditPoints="1" noAdjustHandles="1" noChangeArrowheads="1" noChangeShapeType="1" noTextEdit="1"/>
+          </p:cNvSpPr>
+          <p:nvPr>
+            <p:extLst>
+              <p:ext uri="{386F3935-93C4-4BCD-93E2-E3B085C9AB24}">
+                <p16:designElem xmlns:p16="http://schemas.microsoft.com/office/powerpoint/2015/main" val="1"/>
+              </p:ext>
+            </p:extLst>
+          </p:nvPr>
+        </p:nvSpPr>
+        <p:spPr>
+          <a:xfrm>
+            <a:off x="0" y="-3"/>
+            <a:ext cx="4660126" cy="6858000"/>
+          </a:xfrm>
+          <a:prstGeom prst="rect">
+            <a:avLst/>
+          </a:prstGeom>
+          <a:solidFill>
+            <a:schemeClr val="tx2"/>
+          </a:solidFill>
+          <a:ln>
+            <a:noFill/>
+          </a:ln>
+          <a:effectLst/>
+        </p:spPr>
+        <p:style>
+          <a:lnRef idx="1">
+            <a:schemeClr val="accent1"/>
+          </a:lnRef>
+          <a:fillRef idx="3">
+            <a:schemeClr val="accent1"/>
+          </a:fillRef>
+          <a:effectRef idx="2">
+            <a:schemeClr val="accent1"/>
+          </a:effectRef>
+          <a:fontRef idx="minor">
+            <a:schemeClr val="lt1"/>
+          </a:fontRef>
+        </p:style>
+        <p:txBody>
+          <a:bodyPr/>
+          <a:lstStyle/>
+          <a:p>
+            <a:endParaRPr lang="en-US"/>
+          </a:p>
+        </p:txBody>
+      </p:sp>
+      <p:sp>
+        <p:nvSpPr>
+          <p:cNvPr id="44" name="Isosceles Triangle 43">
+            <a:extLst>
+              <a:ext uri="{FF2B5EF4-FFF2-40B4-BE49-F238E27FC236}">
+                <a16:creationId xmlns:a16="http://schemas.microsoft.com/office/drawing/2014/main" id="{73772B81-181F-48B7-8826-4D9686D15DF5}"/>
+              </a:ext>
+              <a:ext uri="{C183D7F6-B498-43B3-948B-1728B52AA6E4}">
+                <adec:decorative xmlns:adec="http://schemas.microsoft.com/office/drawing/2017/decorative" val="1"/>
+              </a:ext>
+            </a:extLst>
+          </p:cNvPr>
+          <p:cNvSpPr>
+            <a:spLocks noGrp="1" noRot="1" noChangeAspect="1" noMove="1" noResize="1" noEditPoints="1" noAdjustHandles="1" noChangeArrowheads="1" noChangeShapeType="1" noTextEdit="1"/>
+          </p:cNvSpPr>
+          <p:nvPr>
+            <p:extLst>
+              <p:ext uri="{386F3935-93C4-4BCD-93E2-E3B085C9AB24}">
+                <p16:designElem xmlns:p16="http://schemas.microsoft.com/office/powerpoint/2015/main" val="1"/>
+              </p:ext>
+            </p:extLst>
+          </p:nvPr>
+        </p:nvSpPr>
+        <p:spPr>
+          <a:xfrm rot="10800000">
+            <a:off x="4660127" y="-3"/>
+            <a:ext cx="1056745" cy="6858001"/>
+          </a:xfrm>
+          <a:prstGeom prst="triangle">
+            <a:avLst>
+              <a:gd name="adj" fmla="val 100000"/>
+            </a:avLst>
+          </a:prstGeom>
+          <a:solidFill>
+            <a:schemeClr val="tx2"/>
+          </a:solidFill>
+          <a:ln>
+            <a:noFill/>
+          </a:ln>
+          <a:effectLst/>
+        </p:spPr>
+        <p:style>
+          <a:lnRef idx="1">
+            <a:schemeClr val="accent1"/>
+          </a:lnRef>
+          <a:fillRef idx="3">
+            <a:schemeClr val="accent1"/>
+          </a:fillRef>
+          <a:effectRef idx="2">
+            <a:schemeClr val="accent1"/>
+          </a:effectRef>
+          <a:fontRef idx="minor">
+            <a:schemeClr val="lt1"/>
+          </a:fontRef>
+        </p:style>
+        <p:txBody>
+          <a:bodyPr/>
+          <a:lstStyle/>
+          <a:p>
+            <a:endParaRPr lang="en-US" dirty="0"/>
+          </a:p>
+        </p:txBody>
+      </p:sp>
+      <p:sp>
+        <p:nvSpPr>
+          <p:cNvPr id="2" name="Title 1">
+            <a:extLst>
+              <a:ext uri="{FF2B5EF4-FFF2-40B4-BE49-F238E27FC236}">
+                <a16:creationId xmlns:a16="http://schemas.microsoft.com/office/drawing/2014/main" id="{72CAEB14-40B4-0345-80BB-B497506AF26C}"/>
+              </a:ext>
+            </a:extLst>
+          </p:cNvPr>
+          <p:cNvSpPr>
+            <a:spLocks noGrp="1"/>
+          </p:cNvSpPr>
+          <p:nvPr>
+            <p:ph type="title"/>
+          </p:nvPr>
+        </p:nvSpPr>
+        <p:spPr>
+          <a:xfrm>
+            <a:off x="463295" y="2734938"/>
+            <a:ext cx="4203045" cy="1375608"/>
+          </a:xfrm>
+        </p:spPr>
+        <p:txBody>
+          <a:bodyPr anchor="ctr">
+            <a:normAutofit/>
+          </a:bodyPr>
+          <a:lstStyle/>
+          <a:p>
+            <a:pPr>
+              <a:lnSpc>
+                <a:spcPct val="90000"/>
+              </a:lnSpc>
+            </a:pPr>
+            <a:r>
+              <a:rPr lang="en-US" sz="3100" dirty="0">
+                <a:solidFill>
+                  <a:schemeClr val="bg1"/>
+                </a:solidFill>
+              </a:rPr>
+              <a:t>Demonstration of how the web-application would function</a:t>
+            </a:r>
+          </a:p>
+        </p:txBody>
+      </p:sp>
+      <p:pic>
+        <p:nvPicPr>
+          <p:cNvPr id="35" name="Content Placeholder 31">
+            <a:extLst>
+              <a:ext uri="{FF2B5EF4-FFF2-40B4-BE49-F238E27FC236}">
+                <a16:creationId xmlns:a16="http://schemas.microsoft.com/office/drawing/2014/main" id="{38E3D5BB-0F47-EC49-816F-1EAECBFF425E}"/>
+              </a:ext>
+            </a:extLst>
+          </p:cNvPr>
+          <p:cNvPicPr>
+            <a:picLocks noChangeAspect="1"/>
+          </p:cNvPicPr>
+          <p:nvPr/>
+        </p:nvPicPr>
+        <p:blipFill>
+          <a:blip r:embed="rId2"/>
+          <a:stretch>
+            <a:fillRect/>
+          </a:stretch>
+        </p:blipFill>
+        <p:spPr>
+          <a:xfrm>
+            <a:off x="6096001" y="1397489"/>
+            <a:ext cx="5143500" cy="4050506"/>
+          </a:xfrm>
+          <a:prstGeom prst="rect">
+            <a:avLst/>
+          </a:prstGeom>
+        </p:spPr>
+      </p:pic>
+      <p:sp>
+        <p:nvSpPr>
+          <p:cNvPr id="46" name="Isosceles Triangle 45">
+            <a:extLst>
+              <a:ext uri="{FF2B5EF4-FFF2-40B4-BE49-F238E27FC236}">
+                <a16:creationId xmlns:a16="http://schemas.microsoft.com/office/drawing/2014/main" id="{B2205F6E-03C6-4E92-877C-E2482F6599AA}"/>
+              </a:ext>
+              <a:ext uri="{C183D7F6-B498-43B3-948B-1728B52AA6E4}">
+                <adec:decorative xmlns:adec="http://schemas.microsoft.com/office/drawing/2017/decorative" val="1"/>
+              </a:ext>
+            </a:extLst>
+          </p:cNvPr>
+          <p:cNvSpPr>
+            <a:spLocks noGrp="1" noRot="1" noChangeAspect="1" noMove="1" noResize="1" noEditPoints="1" noAdjustHandles="1" noChangeArrowheads="1" noChangeShapeType="1" noTextEdit="1"/>
+          </p:cNvSpPr>
+          <p:nvPr>
+            <p:extLst>
+              <p:ext uri="{386F3935-93C4-4BCD-93E2-E3B085C9AB24}">
+                <p16:designElem xmlns:p16="http://schemas.microsoft.com/office/powerpoint/2015/main" val="1"/>
+              </p:ext>
+            </p:extLst>
+          </p:nvPr>
+        </p:nvSpPr>
+        <p:spPr>
+          <a:xfrm flipH="1">
+            <a:off x="11755696" y="4013200"/>
+            <a:ext cx="448733" cy="2844800"/>
+          </a:xfrm>
+          <a:prstGeom prst="triangle">
+            <a:avLst>
+              <a:gd name="adj" fmla="val 0"/>
+            </a:avLst>
+          </a:prstGeom>
+          <a:solidFill>
+            <a:schemeClr val="accent1">
+              <a:alpha val="85000"/>
+            </a:schemeClr>
+          </a:solidFill>
+          <a:ln>
+            <a:noFill/>
+          </a:ln>
+          <a:effectLst/>
+        </p:spPr>
+        <p:style>
+          <a:lnRef idx="1">
+            <a:schemeClr val="accent1"/>
+          </a:lnRef>
+          <a:fillRef idx="3">
+            <a:schemeClr val="accent1"/>
+          </a:fillRef>
+          <a:effectRef idx="2">
+            <a:schemeClr val="accent1"/>
+          </a:effectRef>
+          <a:fontRef idx="minor">
+            <a:schemeClr val="lt1"/>
+          </a:fontRef>
+        </p:style>
+        <p:txBody>
+          <a:bodyPr/>
+          <a:lstStyle/>
+          <a:p>
+            <a:endParaRPr lang="en-US" dirty="0"/>
+          </a:p>
+        </p:txBody>
+      </p:sp>
+    </p:spTree>
+    <p:extLst>
+      <p:ext uri="{BB962C8B-B14F-4D97-AF65-F5344CB8AC3E}">
+        <p14:creationId xmlns:p14="http://schemas.microsoft.com/office/powerpoint/2010/main" val="2062811246"/>
+      </p:ext>
+    </p:extLst>
+  </p:cSld>
+  <p:clrMapOvr>
+    <a:masterClrMapping/>
+  </p:clrMapOvr>
+</p:sld>
+</file>
+
+<file path=ppt/slides/slide9.xml><?xml version="1.0" encoding="utf-8"?>
+<p:sld xmlns:a="http://schemas.openxmlformats.org/drawingml/2006/main" xmlns:r="http://schemas.openxmlformats.org/officeDocument/2006/relationships" xmlns:p="http://schemas.openxmlformats.org/presentationml/2006/main">
+  <p:cSld>
+    <p:bg>
+      <p:bgPr>
+        <a:solidFill>
+          <a:schemeClr val="bg1"/>
+        </a:solidFill>
+        <a:effectLst/>
+      </p:bgPr>
+    </p:bg>
+    <p:spTree>
+      <p:nvGrpSpPr>
+        <p:cNvPr id="1" name=""/>
+        <p:cNvGrpSpPr/>
+        <p:nvPr/>
+      </p:nvGrpSpPr>
+      <p:grpSpPr>
+        <a:xfrm>
+          <a:off x="0" y="0"/>
+          <a:ext cx="0" cy="0"/>
+          <a:chOff x="0" y="0"/>
+          <a:chExt cx="0" cy="0"/>
+        </a:xfrm>
+      </p:grpSpPr>
       <p:sp>
         <p:nvSpPr>
           <p:cNvPr id="2" name="Title 1">

--- a/Team Debt Presentation.pptx
+++ b/Team Debt Presentation.pptx
@@ -7471,7 +7471,7 @@
           <a:lstStyle/>
           <a:p>
             <a:r>
-              <a:rPr lang="en-US">
+              <a:rPr lang="en-US" dirty="0">
                 <a:solidFill>
                   <a:schemeClr val="bg1"/>
                 </a:solidFill>
@@ -8402,7 +8402,7 @@
           <a:lstStyle/>
           <a:p>
             <a:r>
-              <a:rPr lang="en-US">
+              <a:rPr lang="en-US" dirty="0">
                 <a:solidFill>
                   <a:srgbClr val="FFFFFF"/>
                 </a:solidFill>
@@ -8489,7 +8489,7 @@
               <a:buNone/>
             </a:pPr>
             <a:r>
-              <a:rPr lang="en-US" sz="1400">
+              <a:rPr lang="en-US" sz="1400" dirty="0">
                 <a:solidFill>
                   <a:srgbClr val="FFFFFF"/>
                 </a:solidFill>
@@ -8507,7 +8507,7 @@
               </a:buClr>
             </a:pPr>
             <a:r>
-              <a:rPr lang="en-US" sz="1400">
+              <a:rPr lang="en-US" sz="1400" dirty="0">
                 <a:solidFill>
                   <a:srgbClr val="FFFFFF"/>
                 </a:solidFill>
@@ -8525,7 +8525,7 @@
               </a:buClr>
             </a:pPr>
             <a:r>
-              <a:rPr lang="en-US" sz="1400">
+              <a:rPr lang="en-US" sz="1400" dirty="0">
                 <a:solidFill>
                   <a:srgbClr val="FFFFFF"/>
                 </a:solidFill>
@@ -8543,7 +8543,7 @@
               </a:buClr>
             </a:pPr>
             <a:r>
-              <a:rPr lang="en-US" sz="1400">
+              <a:rPr lang="en-US" sz="1400" dirty="0">
                 <a:solidFill>
                   <a:srgbClr val="FFFFFF"/>
                 </a:solidFill>
@@ -8561,7 +8561,7 @@
               </a:buClr>
             </a:pPr>
             <a:r>
-              <a:rPr lang="en-US" sz="1400">
+              <a:rPr lang="en-US" sz="1400" dirty="0">
                 <a:solidFill>
                   <a:srgbClr val="FFFFFF"/>
                 </a:solidFill>
@@ -9408,7 +9408,7 @@
               <a:buNone/>
             </a:pPr>
             <a:r>
-              <a:rPr lang="en-US">
+              <a:rPr lang="en-US" dirty="0">
                 <a:solidFill>
                   <a:srgbClr val="FFFFFF"/>
                 </a:solidFill>
@@ -9426,7 +9426,7 @@
               </a:buClr>
             </a:pPr>
             <a:r>
-              <a:rPr lang="en-US">
+              <a:rPr lang="en-US" dirty="0">
                 <a:solidFill>
                   <a:srgbClr val="FFFFFF"/>
                 </a:solidFill>
@@ -9444,7 +9444,7 @@
               </a:buClr>
             </a:pPr>
             <a:r>
-              <a:rPr lang="en-US">
+              <a:rPr lang="en-US" dirty="0">
                 <a:solidFill>
                   <a:srgbClr val="FFFFFF"/>
                 </a:solidFill>
@@ -9462,7 +9462,7 @@
               </a:buClr>
             </a:pPr>
             <a:r>
-              <a:rPr lang="en-US">
+              <a:rPr lang="en-US" dirty="0">
                 <a:solidFill>
                   <a:srgbClr val="FFFFFF"/>
                 </a:solidFill>
@@ -11240,7 +11240,7 @@
               <a:buNone/>
             </a:pPr>
             <a:r>
-              <a:rPr lang="en-US">
+              <a:rPr lang="en-US" dirty="0">
                 <a:solidFill>
                   <a:srgbClr val="FFFFFF"/>
                 </a:solidFill>
@@ -11250,7 +11250,7 @@
           </a:p>
           <a:p>
             <a:r>
-              <a:rPr lang="en-US">
+              <a:rPr lang="en-US" dirty="0">
                 <a:solidFill>
                   <a:srgbClr val="FFFFFF"/>
                 </a:solidFill>
@@ -11260,7 +11260,7 @@
           </a:p>
           <a:p>
             <a:r>
-              <a:rPr lang="en-US">
+              <a:rPr lang="en-US" dirty="0">
                 <a:solidFill>
                   <a:srgbClr val="FFFFFF"/>
                 </a:solidFill>
@@ -11486,7 +11486,7 @@
         </p:spPr>
         <p:txBody>
           <a:bodyPr>
-            <a:normAutofit/>
+            <a:normAutofit lnSpcReduction="10000"/>
           </a:bodyPr>
           <a:lstStyle/>
           <a:p>
@@ -11497,7 +11497,7 @@
               <a:buNone/>
             </a:pPr>
             <a:r>
-              <a:rPr lang="en-US" sz="1100"/>
+              <a:rPr lang="en-US" sz="1100" dirty="0"/>
               <a:t>There are many potential companies that may offer us funding or grants in order to create this web-application for Nigeria Elections, some of which include;</a:t>
             </a:r>
           </a:p>
@@ -11508,7 +11508,7 @@
               </a:lnSpc>
             </a:pPr>
             <a:r>
-              <a:rPr lang="en-US" sz="1100"/>
+              <a:rPr lang="en-US" sz="1100" dirty="0"/>
               <a:t>Microsoft</a:t>
             </a:r>
           </a:p>
@@ -11519,20 +11519,8 @@
               </a:lnSpc>
             </a:pPr>
             <a:r>
-              <a:rPr lang="en-US" sz="1100"/>
+              <a:rPr lang="en-US" sz="1100" dirty="0"/>
               <a:t>CISCO</a:t>
-            </a:r>
-          </a:p>
-          <a:p>
-            <a:pPr marL="0" indent="0">
-              <a:lnSpc>
-                <a:spcPct val="90000"/>
-              </a:lnSpc>
-              <a:buNone/>
-            </a:pPr>
-            <a:r>
-              <a:rPr lang="en-US" sz="1100"/>
-              <a:t>Another form of raising/funding money for the project is crowdfunding, if the Nigerian population would like to have safer, faster and easier access to vote in their country then money can be raised by ‘Crowdfunding’, not only can the people of Nigeria fund small amounts each but even foreigners who believe and would like to be involved in such change can donate too. Examples of services that allow this are;</a:t>
             </a:r>
           </a:p>
           <a:p>
@@ -11542,8 +11530,8 @@
               </a:lnSpc>
             </a:pPr>
             <a:r>
-              <a:rPr lang="en-US" sz="1100"/>
-              <a:t>Kickstarter</a:t>
+              <a:rPr lang="en-US" sz="1100" dirty="0"/>
+              <a:t>Tesla</a:t>
             </a:r>
           </a:p>
           <a:p>
@@ -11553,8 +11541,20 @@
               </a:lnSpc>
             </a:pPr>
             <a:r>
-              <a:rPr lang="en-US" sz="1100"/>
-              <a:t>GoFundMe</a:t>
+              <a:rPr lang="en-US" sz="1100" dirty="0"/>
+              <a:t>INEC – organize the elections in Nigeria</a:t>
+            </a:r>
+          </a:p>
+          <a:p>
+            <a:pPr marL="0" indent="0">
+              <a:lnSpc>
+                <a:spcPct val="90000"/>
+              </a:lnSpc>
+              <a:buNone/>
+            </a:pPr>
+            <a:r>
+              <a:rPr lang="en-US" sz="1100" dirty="0"/>
+              <a:t>Another form of raising/funding money for the project is crowdfunding, if the Nigerian population would like to have safer, faster and easier access to vote in their country then money can be raised by ‘Crowdfunding’, not only can the people of Nigeria fund small amounts each but even foreigners who believe and would like to be involved in such change can donate too. Examples of services that allow this are;</a:t>
             </a:r>
           </a:p>
           <a:p>
@@ -11564,10 +11564,32 @@
               </a:lnSpc>
             </a:pPr>
             <a:r>
-              <a:rPr lang="en-US" sz="1100" err="1"/>
+              <a:rPr lang="en-US" sz="1100" dirty="0"/>
+              <a:t>Kickstarter</a:t>
+            </a:r>
+          </a:p>
+          <a:p>
+            <a:pPr>
+              <a:lnSpc>
+                <a:spcPct val="90000"/>
+              </a:lnSpc>
+            </a:pPr>
+            <a:r>
+              <a:rPr lang="en-US" sz="1100" dirty="0"/>
+              <a:t>GoFundMe</a:t>
+            </a:r>
+          </a:p>
+          <a:p>
+            <a:pPr>
+              <a:lnSpc>
+                <a:spcPct val="90000"/>
+              </a:lnSpc>
+            </a:pPr>
+            <a:r>
+              <a:rPr lang="en-US" sz="1100" dirty="0" err="1"/>
               <a:t>Crowfunder</a:t>
             </a:r>
-            <a:endParaRPr lang="en-US" sz="1100"/>
+            <a:endParaRPr lang="en-US" sz="1100" dirty="0"/>
           </a:p>
           <a:p>
             <a:pPr marL="0" indent="0">
@@ -11577,22 +11599,22 @@
               <a:buNone/>
             </a:pPr>
             <a:r>
-              <a:rPr lang="en-US" sz="1100"/>
+              <a:rPr lang="en-US" sz="1100" dirty="0"/>
               <a:t>Services such as, FUNDSFORNGOS allow you to find grants and donors that are available to you, training videos, sample proposals </a:t>
             </a:r>
             <a:r>
-              <a:rPr lang="en-US" sz="1100" err="1"/>
+              <a:rPr lang="en-US" sz="1100" dirty="0" err="1"/>
               <a:t>etc</a:t>
             </a:r>
             <a:r>
-              <a:rPr lang="en-US" sz="1100"/>
+              <a:rPr lang="en-US" sz="1100" dirty="0"/>
               <a:t> to promote the product you are trying to earn funding to various companies: </a:t>
             </a:r>
             <a:r>
-              <a:rPr lang="en-US" sz="1100" err="1"/>
+              <a:rPr lang="en-US" sz="1100" dirty="0" err="1"/>
               <a:t>fundsforngospro.com</a:t>
             </a:r>
-            <a:endParaRPr lang="en-US" sz="1100"/>
+            <a:endParaRPr lang="en-US" sz="1100" dirty="0"/>
           </a:p>
           <a:p>
             <a:pPr marL="0" indent="0">
@@ -11601,7 +11623,7 @@
               </a:lnSpc>
               <a:buNone/>
             </a:pPr>
-            <a:endParaRPr lang="en-US" sz="1100"/>
+            <a:endParaRPr lang="en-US" sz="1100" dirty="0"/>
           </a:p>
         </p:txBody>
       </p:sp>
@@ -12272,10 +12294,9 @@
           <a:lstStyle/>
           <a:p>
             <a:r>
-              <a:rPr lang="en-US"/>
+              <a:rPr lang="en-US" dirty="0"/>
               <a:t>References</a:t>
             </a:r>
-            <a:endParaRPr lang="en-US" dirty="0"/>
           </a:p>
         </p:txBody>
       </p:sp>
@@ -12355,23 +12376,29 @@
           <a:lstStyle/>
           <a:p>
             <a:r>
-              <a:rPr lang="en-US">
+              <a:rPr lang="en-US" dirty="0">
                 <a:hlinkClick r:id="rId2"/>
               </a:rPr>
               <a:t>https://en.wikipedia.org/wiki/Nigerian_general_election,_2015</a:t>
             </a:r>
-            <a:endParaRPr lang="en-US"/>
-          </a:p>
-          <a:p>
-            <a:r>
-              <a:rPr lang="en-US">
+            <a:endParaRPr lang="en-US" dirty="0"/>
+          </a:p>
+          <a:p>
+            <a:r>
+              <a:rPr lang="en-US" dirty="0">
                 <a:hlinkClick r:id="rId3"/>
               </a:rPr>
               <a:t>https://edition.cnn.com/2018/05/31/africa/nigeria-not-too-young-to-run/index.html</a:t>
             </a:r>
-            <a:endParaRPr lang="en-US"/>
-          </a:p>
-          <a:p>
+            <a:endParaRPr lang="en-US" dirty="0"/>
+          </a:p>
+          <a:p>
+            <a:r>
+              <a:rPr lang="en-US" dirty="0">
+                <a:hlinkClick r:id="rId4"/>
+              </a:rPr>
+              <a:t>www.google.com</a:t>
+            </a:r>
             <a:endParaRPr lang="en-US" dirty="0"/>
           </a:p>
         </p:txBody>
